--- a/Vari/ProPlanPresentazione.pptx
+++ b/Vari/ProPlanPresentazione.pptx
@@ -14,6 +14,8 @@
     <p:sldId id="262" r:id="rId8"/>
     <p:sldId id="263" r:id="rId9"/>
     <p:sldId id="264" r:id="rId10"/>
+    <p:sldId id="265" r:id="rId11"/>
+    <p:sldId id="266" r:id="rId12"/>
   </p:sldIdLst>
   <p:sldSz cx="12192000" cy="6858000"/>
   <p:notesSz cx="6858000" cy="9144000"/>
@@ -170,7 +172,7 @@
           <a:noFill/>
           <a:extLst>
             <a:ext uri="{909E8E84-426E-40dd-AFC4-6F175D3DCCD1}">
-              <a14:hiddenFill xmlns="" xmlns:a14="http://schemas.microsoft.com/office/drawing/2010/main">
+              <a14:hiddenFill xmlns:a14="http://schemas.microsoft.com/office/drawing/2010/main" xmlns="">
                 <a:solidFill>
                   <a:srgbClr val="FFFFFF"/>
                 </a:solidFill>
@@ -230,7 +232,7 @@
             </a:ln>
             <a:extLst>
               <a:ext uri="{91240B29-F687-4f45-9708-019B960494DF}">
-                <a14:hiddenLine xmlns="" xmlns:a14="http://schemas.microsoft.com/office/drawing/2010/main" w="9525">
+                <a14:hiddenLine xmlns:a14="http://schemas.microsoft.com/office/drawing/2010/main" xmlns="" w="9525">
                   <a:solidFill>
                     <a:srgbClr val="000000"/>
                   </a:solidFill>
@@ -320,7 +322,7 @@
             </a:ln>
             <a:extLst>
               <a:ext uri="{91240B29-F687-4f45-9708-019B960494DF}">
-                <a14:hiddenLine xmlns="" xmlns:a14="http://schemas.microsoft.com/office/drawing/2010/main" w="9525">
+                <a14:hiddenLine xmlns:a14="http://schemas.microsoft.com/office/drawing/2010/main" xmlns="" w="9525">
                   <a:solidFill>
                     <a:srgbClr val="000000"/>
                   </a:solidFill>
@@ -410,7 +412,7 @@
             </a:ln>
             <a:extLst>
               <a:ext uri="{91240B29-F687-4f45-9708-019B960494DF}">
-                <a14:hiddenLine xmlns="" xmlns:a14="http://schemas.microsoft.com/office/drawing/2010/main" w="9525">
+                <a14:hiddenLine xmlns:a14="http://schemas.microsoft.com/office/drawing/2010/main" xmlns="" w="9525">
                   <a:solidFill>
                     <a:srgbClr val="000000"/>
                   </a:solidFill>
@@ -444,7 +446,7 @@
             </a:ln>
             <a:extLst>
               <a:ext uri="{91240B29-F687-4f45-9708-019B960494DF}">
-                <a14:hiddenLine xmlns="" xmlns:a14="http://schemas.microsoft.com/office/drawing/2010/main" w="9525">
+                <a14:hiddenLine xmlns:a14="http://schemas.microsoft.com/office/drawing/2010/main" xmlns="" w="9525">
                   <a:solidFill>
                     <a:srgbClr val="000000"/>
                   </a:solidFill>
@@ -534,7 +536,7 @@
             </a:ln>
             <a:extLst>
               <a:ext uri="{91240B29-F687-4f45-9708-019B960494DF}">
-                <a14:hiddenLine xmlns="" xmlns:a14="http://schemas.microsoft.com/office/drawing/2010/main" w="9525">
+                <a14:hiddenLine xmlns:a14="http://schemas.microsoft.com/office/drawing/2010/main" xmlns="" w="9525">
                   <a:solidFill>
                     <a:srgbClr val="000000"/>
                   </a:solidFill>
@@ -596,7 +598,7 @@
             </a:ln>
             <a:extLst>
               <a:ext uri="{91240B29-F687-4f45-9708-019B960494DF}">
-                <a14:hiddenLine xmlns="" xmlns:a14="http://schemas.microsoft.com/office/drawing/2010/main" w="9525">
+                <a14:hiddenLine xmlns:a14="http://schemas.microsoft.com/office/drawing/2010/main" xmlns="" w="9525">
                   <a:solidFill>
                     <a:srgbClr val="000000"/>
                   </a:solidFill>
@@ -658,7 +660,7 @@
             </a:ln>
             <a:extLst>
               <a:ext uri="{91240B29-F687-4f45-9708-019B960494DF}">
-                <a14:hiddenLine xmlns="" xmlns:a14="http://schemas.microsoft.com/office/drawing/2010/main" w="9525">
+                <a14:hiddenLine xmlns:a14="http://schemas.microsoft.com/office/drawing/2010/main" xmlns="" w="9525">
                   <a:solidFill>
                     <a:srgbClr val="000000"/>
                   </a:solidFill>
@@ -748,7 +750,7 @@
             </a:ln>
             <a:extLst>
               <a:ext uri="{91240B29-F687-4f45-9708-019B960494DF}">
-                <a14:hiddenLine xmlns="" xmlns:a14="http://schemas.microsoft.com/office/drawing/2010/main" w="9525">
+                <a14:hiddenLine xmlns:a14="http://schemas.microsoft.com/office/drawing/2010/main" xmlns="" w="9525">
                   <a:solidFill>
                     <a:srgbClr val="000000"/>
                   </a:solidFill>
@@ -810,7 +812,7 @@
             </a:ln>
             <a:extLst>
               <a:ext uri="{91240B29-F687-4f45-9708-019B960494DF}">
-                <a14:hiddenLine xmlns="" xmlns:a14="http://schemas.microsoft.com/office/drawing/2010/main" w="9525">
+                <a14:hiddenLine xmlns:a14="http://schemas.microsoft.com/office/drawing/2010/main" xmlns="" w="9525">
                   <a:solidFill>
                     <a:srgbClr val="000000"/>
                   </a:solidFill>
@@ -872,7 +874,7 @@
             </a:ln>
             <a:extLst>
               <a:ext uri="{91240B29-F687-4f45-9708-019B960494DF}">
-                <a14:hiddenLine xmlns="" xmlns:a14="http://schemas.microsoft.com/office/drawing/2010/main" w="9525">
+                <a14:hiddenLine xmlns:a14="http://schemas.microsoft.com/office/drawing/2010/main" xmlns="" w="9525">
                   <a:solidFill>
                     <a:srgbClr val="000000"/>
                   </a:solidFill>
@@ -962,7 +964,7 @@
             </a:ln>
             <a:extLst>
               <a:ext uri="{91240B29-F687-4f45-9708-019B960494DF}">
-                <a14:hiddenLine xmlns="" xmlns:a14="http://schemas.microsoft.com/office/drawing/2010/main" w="9525">
+                <a14:hiddenLine xmlns:a14="http://schemas.microsoft.com/office/drawing/2010/main" xmlns="" w="9525">
                   <a:solidFill>
                     <a:srgbClr val="000000"/>
                   </a:solidFill>
@@ -1052,7 +1054,7 @@
             </a:ln>
             <a:extLst>
               <a:ext uri="{91240B29-F687-4f45-9708-019B960494DF}">
-                <a14:hiddenLine xmlns="" xmlns:a14="http://schemas.microsoft.com/office/drawing/2010/main" w="9525">
+                <a14:hiddenLine xmlns:a14="http://schemas.microsoft.com/office/drawing/2010/main" xmlns="" w="9525">
                   <a:solidFill>
                     <a:srgbClr val="000000"/>
                   </a:solidFill>
@@ -1114,7 +1116,7 @@
             </a:ln>
             <a:extLst>
               <a:ext uri="{91240B29-F687-4f45-9708-019B960494DF}">
-                <a14:hiddenLine xmlns="" xmlns:a14="http://schemas.microsoft.com/office/drawing/2010/main" w="9525">
+                <a14:hiddenLine xmlns:a14="http://schemas.microsoft.com/office/drawing/2010/main" xmlns="" w="9525">
                   <a:solidFill>
                     <a:srgbClr val="000000"/>
                   </a:solidFill>
@@ -1224,7 +1226,7 @@
             </a:ln>
             <a:extLst>
               <a:ext uri="{91240B29-F687-4f45-9708-019B960494DF}">
-                <a14:hiddenLine xmlns="" xmlns:a14="http://schemas.microsoft.com/office/drawing/2010/main" w="9525">
+                <a14:hiddenLine xmlns:a14="http://schemas.microsoft.com/office/drawing/2010/main" xmlns="" w="9525">
                   <a:solidFill>
                     <a:srgbClr val="000000"/>
                   </a:solidFill>
@@ -1286,7 +1288,7 @@
             </a:ln>
             <a:extLst>
               <a:ext uri="{91240B29-F687-4f45-9708-019B960494DF}">
-                <a14:hiddenLine xmlns="" xmlns:a14="http://schemas.microsoft.com/office/drawing/2010/main" w="9525">
+                <a14:hiddenLine xmlns:a14="http://schemas.microsoft.com/office/drawing/2010/main" xmlns="" w="9525">
                   <a:solidFill>
                     <a:srgbClr val="000000"/>
                   </a:solidFill>
@@ -1376,7 +1378,7 @@
             </a:ln>
             <a:extLst>
               <a:ext uri="{91240B29-F687-4f45-9708-019B960494DF}">
-                <a14:hiddenLine xmlns="" xmlns:a14="http://schemas.microsoft.com/office/drawing/2010/main" w="9525">
+                <a14:hiddenLine xmlns:a14="http://schemas.microsoft.com/office/drawing/2010/main" xmlns="" w="9525">
                   <a:solidFill>
                     <a:srgbClr val="000000"/>
                   </a:solidFill>
@@ -1466,7 +1468,7 @@
             </a:ln>
             <a:extLst>
               <a:ext uri="{91240B29-F687-4f45-9708-019B960494DF}">
-                <a14:hiddenLine xmlns="" xmlns:a14="http://schemas.microsoft.com/office/drawing/2010/main" w="9525">
+                <a14:hiddenLine xmlns:a14="http://schemas.microsoft.com/office/drawing/2010/main" xmlns="" w="9525">
                   <a:solidFill>
                     <a:srgbClr val="000000"/>
                   </a:solidFill>
@@ -1528,7 +1530,7 @@
             </a:ln>
             <a:extLst>
               <a:ext uri="{91240B29-F687-4f45-9708-019B960494DF}">
-                <a14:hiddenLine xmlns="" xmlns:a14="http://schemas.microsoft.com/office/drawing/2010/main" w="9525">
+                <a14:hiddenLine xmlns:a14="http://schemas.microsoft.com/office/drawing/2010/main" xmlns="" w="9525">
                   <a:solidFill>
                     <a:srgbClr val="000000"/>
                   </a:solidFill>
@@ -1618,7 +1620,7 @@
             </a:ln>
             <a:extLst>
               <a:ext uri="{91240B29-F687-4f45-9708-019B960494DF}">
-                <a14:hiddenLine xmlns="" xmlns:a14="http://schemas.microsoft.com/office/drawing/2010/main" w="9525">
+                <a14:hiddenLine xmlns:a14="http://schemas.microsoft.com/office/drawing/2010/main" xmlns="" w="9525">
                   <a:solidFill>
                     <a:srgbClr val="000000"/>
                   </a:solidFill>
@@ -1708,7 +1710,7 @@
             </a:ln>
             <a:extLst>
               <a:ext uri="{91240B29-F687-4f45-9708-019B960494DF}">
-                <a14:hiddenLine xmlns="" xmlns:a14="http://schemas.microsoft.com/office/drawing/2010/main" w="9525">
+                <a14:hiddenLine xmlns:a14="http://schemas.microsoft.com/office/drawing/2010/main" xmlns="" w="9525">
                   <a:solidFill>
                     <a:srgbClr val="000000"/>
                   </a:solidFill>
@@ -1764,7 +1766,7 @@
             </a:ln>
             <a:extLst>
               <a:ext uri="{91240B29-F687-4f45-9708-019B960494DF}">
-                <a14:hiddenLine xmlns="" xmlns:a14="http://schemas.microsoft.com/office/drawing/2010/main" w="9525">
+                <a14:hiddenLine xmlns:a14="http://schemas.microsoft.com/office/drawing/2010/main" xmlns="" w="9525">
                   <a:solidFill>
                     <a:srgbClr val="000000"/>
                   </a:solidFill>
@@ -1854,7 +1856,7 @@
             </a:ln>
             <a:extLst>
               <a:ext uri="{91240B29-F687-4f45-9708-019B960494DF}">
-                <a14:hiddenLine xmlns="" xmlns:a14="http://schemas.microsoft.com/office/drawing/2010/main" w="9525">
+                <a14:hiddenLine xmlns:a14="http://schemas.microsoft.com/office/drawing/2010/main" xmlns="" w="9525">
                   <a:solidFill>
                     <a:srgbClr val="000000"/>
                   </a:solidFill>
@@ -1910,7 +1912,7 @@
             </a:ln>
             <a:extLst>
               <a:ext uri="{91240B29-F687-4f45-9708-019B960494DF}">
-                <a14:hiddenLine xmlns="" xmlns:a14="http://schemas.microsoft.com/office/drawing/2010/main" w="9525">
+                <a14:hiddenLine xmlns:a14="http://schemas.microsoft.com/office/drawing/2010/main" xmlns="" w="9525">
                   <a:solidFill>
                     <a:srgbClr val="000000"/>
                   </a:solidFill>
@@ -2000,7 +2002,7 @@
             </a:ln>
             <a:extLst>
               <a:ext uri="{91240B29-F687-4f45-9708-019B960494DF}">
-                <a14:hiddenLine xmlns="" xmlns:a14="http://schemas.microsoft.com/office/drawing/2010/main" w="9525">
+                <a14:hiddenLine xmlns:a14="http://schemas.microsoft.com/office/drawing/2010/main" xmlns="" w="9525">
                   <a:solidFill>
                     <a:srgbClr val="000000"/>
                   </a:solidFill>
@@ -2068,7 +2070,7 @@
             </a:ln>
             <a:extLst>
               <a:ext uri="{91240B29-F687-4f45-9708-019B960494DF}">
-                <a14:hiddenLine xmlns="" xmlns:a14="http://schemas.microsoft.com/office/drawing/2010/main" w="9525">
+                <a14:hiddenLine xmlns:a14="http://schemas.microsoft.com/office/drawing/2010/main" xmlns="" w="9525">
                   <a:solidFill>
                     <a:srgbClr val="000000"/>
                   </a:solidFill>
@@ -2158,7 +2160,7 @@
             </a:ln>
             <a:extLst>
               <a:ext uri="{91240B29-F687-4f45-9708-019B960494DF}">
-                <a14:hiddenLine xmlns="" xmlns:a14="http://schemas.microsoft.com/office/drawing/2010/main" w="9525">
+                <a14:hiddenLine xmlns:a14="http://schemas.microsoft.com/office/drawing/2010/main" xmlns="" w="9525">
                   <a:solidFill>
                     <a:srgbClr val="000000"/>
                   </a:solidFill>
@@ -2226,7 +2228,7 @@
             </a:ln>
             <a:extLst>
               <a:ext uri="{91240B29-F687-4f45-9708-019B960494DF}">
-                <a14:hiddenLine xmlns="" xmlns:a14="http://schemas.microsoft.com/office/drawing/2010/main" w="9525">
+                <a14:hiddenLine xmlns:a14="http://schemas.microsoft.com/office/drawing/2010/main" xmlns="" w="9525">
                   <a:solidFill>
                     <a:srgbClr val="000000"/>
                   </a:solidFill>
@@ -2316,7 +2318,7 @@
             </a:ln>
             <a:extLst>
               <a:ext uri="{91240B29-F687-4f45-9708-019B960494DF}">
-                <a14:hiddenLine xmlns="" xmlns:a14="http://schemas.microsoft.com/office/drawing/2010/main" w="9525">
+                <a14:hiddenLine xmlns:a14="http://schemas.microsoft.com/office/drawing/2010/main" xmlns="" w="9525">
                   <a:solidFill>
                     <a:srgbClr val="000000"/>
                   </a:solidFill>
@@ -2350,7 +2352,7 @@
             </a:ln>
             <a:extLst>
               <a:ext uri="{91240B29-F687-4f45-9708-019B960494DF}">
-                <a14:hiddenLine xmlns="" xmlns:a14="http://schemas.microsoft.com/office/drawing/2010/main" w="9525">
+                <a14:hiddenLine xmlns:a14="http://schemas.microsoft.com/office/drawing/2010/main" xmlns="" w="9525">
                   <a:solidFill>
                     <a:srgbClr val="000000"/>
                   </a:solidFill>
@@ -2440,7 +2442,7 @@
             </a:ln>
             <a:extLst>
               <a:ext uri="{91240B29-F687-4f45-9708-019B960494DF}">
-                <a14:hiddenLine xmlns="" xmlns:a14="http://schemas.microsoft.com/office/drawing/2010/main" w="9525">
+                <a14:hiddenLine xmlns:a14="http://schemas.microsoft.com/office/drawing/2010/main" xmlns="" w="9525">
                   <a:solidFill>
                     <a:srgbClr val="000000"/>
                   </a:solidFill>
@@ -2502,7 +2504,7 @@
             </a:ln>
             <a:extLst>
               <a:ext uri="{91240B29-F687-4f45-9708-019B960494DF}">
-                <a14:hiddenLine xmlns="" xmlns:a14="http://schemas.microsoft.com/office/drawing/2010/main" w="9525">
+                <a14:hiddenLine xmlns:a14="http://schemas.microsoft.com/office/drawing/2010/main" xmlns="" w="9525">
                   <a:solidFill>
                     <a:srgbClr val="000000"/>
                   </a:solidFill>
@@ -2564,7 +2566,7 @@
             </a:ln>
             <a:extLst>
               <a:ext uri="{91240B29-F687-4f45-9708-019B960494DF}">
-                <a14:hiddenLine xmlns="" xmlns:a14="http://schemas.microsoft.com/office/drawing/2010/main" w="9525">
+                <a14:hiddenLine xmlns:a14="http://schemas.microsoft.com/office/drawing/2010/main" xmlns="" w="9525">
                   <a:solidFill>
                     <a:srgbClr val="000000"/>
                   </a:solidFill>
@@ -2654,7 +2656,7 @@
             </a:ln>
             <a:extLst>
               <a:ext uri="{91240B29-F687-4f45-9708-019B960494DF}">
-                <a14:hiddenLine xmlns="" xmlns:a14="http://schemas.microsoft.com/office/drawing/2010/main" w="9525">
+                <a14:hiddenLine xmlns:a14="http://schemas.microsoft.com/office/drawing/2010/main" xmlns="" w="9525">
                   <a:solidFill>
                     <a:srgbClr val="000000"/>
                   </a:solidFill>
@@ -2722,7 +2724,7 @@
             </a:ln>
             <a:extLst>
               <a:ext uri="{91240B29-F687-4f45-9708-019B960494DF}">
-                <a14:hiddenLine xmlns="" xmlns:a14="http://schemas.microsoft.com/office/drawing/2010/main" w="9525">
+                <a14:hiddenLine xmlns:a14="http://schemas.microsoft.com/office/drawing/2010/main" xmlns="" w="9525">
                   <a:solidFill>
                     <a:srgbClr val="000000"/>
                   </a:solidFill>
@@ -2784,7 +2786,7 @@
             </a:ln>
             <a:extLst>
               <a:ext uri="{91240B29-F687-4f45-9708-019B960494DF}">
-                <a14:hiddenLine xmlns="" xmlns:a14="http://schemas.microsoft.com/office/drawing/2010/main" w="9525">
+                <a14:hiddenLine xmlns:a14="http://schemas.microsoft.com/office/drawing/2010/main" xmlns="" w="9525">
                   <a:solidFill>
                     <a:srgbClr val="000000"/>
                   </a:solidFill>
@@ -2874,7 +2876,7 @@
             </a:ln>
             <a:extLst>
               <a:ext uri="{91240B29-F687-4f45-9708-019B960494DF}">
-                <a14:hiddenLine xmlns="" xmlns:a14="http://schemas.microsoft.com/office/drawing/2010/main" w="9525">
+                <a14:hiddenLine xmlns:a14="http://schemas.microsoft.com/office/drawing/2010/main" xmlns="" w="9525">
                   <a:solidFill>
                     <a:srgbClr val="000000"/>
                   </a:solidFill>
@@ -2936,7 +2938,7 @@
             </a:ln>
             <a:extLst>
               <a:ext uri="{91240B29-F687-4f45-9708-019B960494DF}">
-                <a14:hiddenLine xmlns="" xmlns:a14="http://schemas.microsoft.com/office/drawing/2010/main" w="9525">
+                <a14:hiddenLine xmlns:a14="http://schemas.microsoft.com/office/drawing/2010/main" xmlns="" w="9525">
                   <a:solidFill>
                     <a:srgbClr val="000000"/>
                   </a:solidFill>
@@ -3026,7 +3028,7 @@
             </a:ln>
             <a:extLst>
               <a:ext uri="{91240B29-F687-4f45-9708-019B960494DF}">
-                <a14:hiddenLine xmlns="" xmlns:a14="http://schemas.microsoft.com/office/drawing/2010/main" w="9525">
+                <a14:hiddenLine xmlns:a14="http://schemas.microsoft.com/office/drawing/2010/main" xmlns="" w="9525">
                   <a:solidFill>
                     <a:srgbClr val="000000"/>
                   </a:solidFill>
@@ -3088,7 +3090,7 @@
             </a:ln>
             <a:extLst>
               <a:ext uri="{91240B29-F687-4f45-9708-019B960494DF}">
-                <a14:hiddenLine xmlns="" xmlns:a14="http://schemas.microsoft.com/office/drawing/2010/main" w="9525">
+                <a14:hiddenLine xmlns:a14="http://schemas.microsoft.com/office/drawing/2010/main" xmlns="" w="9525">
                   <a:solidFill>
                     <a:srgbClr val="000000"/>
                   </a:solidFill>
@@ -3178,7 +3180,7 @@
             </a:ln>
             <a:extLst>
               <a:ext uri="{91240B29-F687-4f45-9708-019B960494DF}">
-                <a14:hiddenLine xmlns="" xmlns:a14="http://schemas.microsoft.com/office/drawing/2010/main" w="9525">
+                <a14:hiddenLine xmlns:a14="http://schemas.microsoft.com/office/drawing/2010/main" xmlns="" w="9525">
                   <a:solidFill>
                     <a:srgbClr val="000000"/>
                   </a:solidFill>
@@ -3212,7 +3214,7 @@
             </a:ln>
             <a:extLst>
               <a:ext uri="{91240B29-F687-4f45-9708-019B960494DF}">
-                <a14:hiddenLine xmlns="" xmlns:a14="http://schemas.microsoft.com/office/drawing/2010/main" w="9525">
+                <a14:hiddenLine xmlns:a14="http://schemas.microsoft.com/office/drawing/2010/main" xmlns="" w="9525">
                   <a:solidFill>
                     <a:srgbClr val="000000"/>
                   </a:solidFill>
@@ -3277,7 +3279,7 @@
             </a:ln>
             <a:extLst>
               <a:ext uri="{91240B29-F687-4f45-9708-019B960494DF}">
-                <a14:hiddenLine xmlns="" xmlns:a14="http://schemas.microsoft.com/office/drawing/2010/main" w="9525">
+                <a14:hiddenLine xmlns:a14="http://schemas.microsoft.com/office/drawing/2010/main" xmlns="" w="9525">
                   <a:solidFill>
                     <a:srgbClr val="000000"/>
                   </a:solidFill>
@@ -3367,7 +3369,7 @@
             </a:ln>
             <a:extLst>
               <a:ext uri="{91240B29-F687-4f45-9708-019B960494DF}">
-                <a14:hiddenLine xmlns="" xmlns:a14="http://schemas.microsoft.com/office/drawing/2010/main" w="9525">
+                <a14:hiddenLine xmlns:a14="http://schemas.microsoft.com/office/drawing/2010/main" xmlns="" w="9525">
                   <a:solidFill>
                     <a:srgbClr val="000000"/>
                   </a:solidFill>
@@ -3429,7 +3431,7 @@
             </a:ln>
             <a:extLst>
               <a:ext uri="{91240B29-F687-4f45-9708-019B960494DF}">
-                <a14:hiddenLine xmlns="" xmlns:a14="http://schemas.microsoft.com/office/drawing/2010/main" w="9525">
+                <a14:hiddenLine xmlns:a14="http://schemas.microsoft.com/office/drawing/2010/main" xmlns="" w="9525">
                   <a:solidFill>
                     <a:srgbClr val="000000"/>
                   </a:solidFill>
@@ -3519,7 +3521,7 @@
             </a:ln>
             <a:extLst>
               <a:ext uri="{91240B29-F687-4f45-9708-019B960494DF}">
-                <a14:hiddenLine xmlns="" xmlns:a14="http://schemas.microsoft.com/office/drawing/2010/main" w="9525">
+                <a14:hiddenLine xmlns:a14="http://schemas.microsoft.com/office/drawing/2010/main" xmlns="" w="9525">
                   <a:solidFill>
                     <a:srgbClr val="000000"/>
                   </a:solidFill>
@@ -3609,7 +3611,7 @@
             </a:ln>
             <a:extLst>
               <a:ext uri="{91240B29-F687-4f45-9708-019B960494DF}">
-                <a14:hiddenLine xmlns="" xmlns:a14="http://schemas.microsoft.com/office/drawing/2010/main" w="9525">
+                <a14:hiddenLine xmlns:a14="http://schemas.microsoft.com/office/drawing/2010/main" xmlns="" w="9525">
                   <a:solidFill>
                     <a:srgbClr val="000000"/>
                   </a:solidFill>
@@ -3674,7 +3676,7 @@
             </a:ln>
             <a:extLst>
               <a:ext uri="{91240B29-F687-4f45-9708-019B960494DF}">
-                <a14:hiddenLine xmlns="" xmlns:a14="http://schemas.microsoft.com/office/drawing/2010/main" w="9525">
+                <a14:hiddenLine xmlns:a14="http://schemas.microsoft.com/office/drawing/2010/main" xmlns="" w="9525">
                   <a:solidFill>
                     <a:srgbClr val="000000"/>
                   </a:solidFill>
@@ -3736,7 +3738,7 @@
             </a:ln>
             <a:extLst>
               <a:ext uri="{91240B29-F687-4f45-9708-019B960494DF}">
-                <a14:hiddenLine xmlns="" xmlns:a14="http://schemas.microsoft.com/office/drawing/2010/main" w="9525">
+                <a14:hiddenLine xmlns:a14="http://schemas.microsoft.com/office/drawing/2010/main" xmlns="" w="9525">
                   <a:solidFill>
                     <a:srgbClr val="000000"/>
                   </a:solidFill>
@@ -3826,7 +3828,7 @@
             </a:ln>
             <a:extLst>
               <a:ext uri="{91240B29-F687-4f45-9708-019B960494DF}">
-                <a14:hiddenLine xmlns="" xmlns:a14="http://schemas.microsoft.com/office/drawing/2010/main" w="9525">
+                <a14:hiddenLine xmlns:a14="http://schemas.microsoft.com/office/drawing/2010/main" xmlns="" w="9525">
                   <a:solidFill>
                     <a:srgbClr val="000000"/>
                   </a:solidFill>
@@ -3916,7 +3918,7 @@
             </a:ln>
             <a:extLst>
               <a:ext uri="{91240B29-F687-4f45-9708-019B960494DF}">
-                <a14:hiddenLine xmlns="" xmlns:a14="http://schemas.microsoft.com/office/drawing/2010/main" w="9525">
+                <a14:hiddenLine xmlns:a14="http://schemas.microsoft.com/office/drawing/2010/main" xmlns="" w="9525">
                   <a:solidFill>
                     <a:srgbClr val="000000"/>
                   </a:solidFill>
@@ -3978,7 +3980,7 @@
             </a:ln>
             <a:extLst>
               <a:ext uri="{91240B29-F687-4f45-9708-019B960494DF}">
-                <a14:hiddenLine xmlns="" xmlns:a14="http://schemas.microsoft.com/office/drawing/2010/main" w="9525">
+                <a14:hiddenLine xmlns:a14="http://schemas.microsoft.com/office/drawing/2010/main" xmlns="" w="9525">
                   <a:solidFill>
                     <a:srgbClr val="000000"/>
                   </a:solidFill>
@@ -4098,7 +4100,7 @@
             </a:ln>
             <a:extLst>
               <a:ext uri="{91240B29-F687-4f45-9708-019B960494DF}">
-                <a14:hiddenLine xmlns="" xmlns:a14="http://schemas.microsoft.com/office/drawing/2010/main" w="9525">
+                <a14:hiddenLine xmlns:a14="http://schemas.microsoft.com/office/drawing/2010/main" xmlns="" w="9525">
                   <a:solidFill>
                     <a:srgbClr val="000000"/>
                   </a:solidFill>
@@ -4166,7 +4168,7 @@
             </a:ln>
             <a:extLst>
               <a:ext uri="{91240B29-F687-4f45-9708-019B960494DF}">
-                <a14:hiddenLine xmlns="" xmlns:a14="http://schemas.microsoft.com/office/drawing/2010/main" w="9525">
+                <a14:hiddenLine xmlns:a14="http://schemas.microsoft.com/office/drawing/2010/main" xmlns="" w="9525">
                   <a:solidFill>
                     <a:srgbClr val="000000"/>
                   </a:solidFill>
@@ -4256,7 +4258,7 @@
             </a:ln>
             <a:extLst>
               <a:ext uri="{91240B29-F687-4f45-9708-019B960494DF}">
-                <a14:hiddenLine xmlns="" xmlns:a14="http://schemas.microsoft.com/office/drawing/2010/main" w="9525">
+                <a14:hiddenLine xmlns:a14="http://schemas.microsoft.com/office/drawing/2010/main" xmlns="" w="9525">
                   <a:solidFill>
                     <a:srgbClr val="000000"/>
                   </a:solidFill>
@@ -4396,7 +4398,7 @@
           <a:p>
             <a:fld id="{48A87A34-81AB-432B-8DAE-1953F412C126}" type="datetimeFigureOut">
               <a:rPr lang="en-US" dirty="0"/>
-              <a:t>5/12/20</a:t>
+              <a:t>5/14/20</a:t>
             </a:fld>
             <a:endParaRPr lang="en-US" dirty="0"/>
           </a:p>
@@ -4658,7 +4660,7 @@
           <a:p>
             <a:fld id="{48A87A34-81AB-432B-8DAE-1953F412C126}" type="datetimeFigureOut">
               <a:rPr lang="en-US" dirty="0"/>
-              <a:t>5/12/20</a:t>
+              <a:t>5/14/20</a:t>
             </a:fld>
             <a:endParaRPr lang="en-US" dirty="0"/>
           </a:p>
@@ -4849,7 +4851,7 @@
           <a:p>
             <a:fld id="{48A87A34-81AB-432B-8DAE-1953F412C126}" type="datetimeFigureOut">
               <a:rPr lang="en-US" dirty="0"/>
-              <a:t>5/12/20</a:t>
+              <a:t>5/14/20</a:t>
             </a:fld>
             <a:endParaRPr lang="en-US" dirty="0"/>
           </a:p>
@@ -5107,7 +5109,7 @@
           <a:p>
             <a:fld id="{48A87A34-81AB-432B-8DAE-1953F412C126}" type="datetimeFigureOut">
               <a:rPr lang="en-US" dirty="0"/>
-              <a:t>5/12/20</a:t>
+              <a:t>5/14/20</a:t>
             </a:fld>
             <a:endParaRPr lang="en-US" dirty="0"/>
           </a:p>
@@ -5536,7 +5538,7 @@
           <a:p>
             <a:fld id="{48A87A34-81AB-432B-8DAE-1953F412C126}" type="datetimeFigureOut">
               <a:rPr lang="en-US" dirty="0"/>
-              <a:t>5/12/20</a:t>
+              <a:t>5/14/20</a:t>
             </a:fld>
             <a:endParaRPr lang="en-US" dirty="0"/>
           </a:p>
@@ -6077,7 +6079,7 @@
           <a:p>
             <a:fld id="{48A87A34-81AB-432B-8DAE-1953F412C126}" type="datetimeFigureOut">
               <a:rPr lang="en-US" dirty="0"/>
-              <a:t>5/12/20</a:t>
+              <a:t>5/14/20</a:t>
             </a:fld>
             <a:endParaRPr lang="en-US" dirty="0"/>
           </a:p>
@@ -6792,7 +6794,7 @@
           <a:p>
             <a:fld id="{48A87A34-81AB-432B-8DAE-1953F412C126}" type="datetimeFigureOut">
               <a:rPr lang="en-US" dirty="0"/>
-              <a:t>5/12/20</a:t>
+              <a:t>5/14/20</a:t>
             </a:fld>
             <a:endParaRPr lang="en-US" dirty="0"/>
           </a:p>
@@ -6957,7 +6959,7 @@
           <a:p>
             <a:fld id="{48A87A34-81AB-432B-8DAE-1953F412C126}" type="datetimeFigureOut">
               <a:rPr lang="en-US" dirty="0"/>
-              <a:t>5/12/20</a:t>
+              <a:t>5/14/20</a:t>
             </a:fld>
             <a:endParaRPr lang="en-US" dirty="0"/>
           </a:p>
@@ -7132,7 +7134,7 @@
           <a:p>
             <a:fld id="{48A87A34-81AB-432B-8DAE-1953F412C126}" type="datetimeFigureOut">
               <a:rPr lang="en-US" dirty="0"/>
-              <a:t>5/12/20</a:t>
+              <a:t>5/14/20</a:t>
             </a:fld>
             <a:endParaRPr lang="en-US" dirty="0"/>
           </a:p>
@@ -7297,7 +7299,7 @@
           <a:p>
             <a:fld id="{48A87A34-81AB-432B-8DAE-1953F412C126}" type="datetimeFigureOut">
               <a:rPr lang="en-US" dirty="0"/>
-              <a:t>5/12/20</a:t>
+              <a:t>5/14/20</a:t>
             </a:fld>
             <a:endParaRPr lang="en-US" dirty="0"/>
           </a:p>
@@ -7542,7 +7544,7 @@
           <a:p>
             <a:fld id="{48A87A34-81AB-432B-8DAE-1953F412C126}" type="datetimeFigureOut">
               <a:rPr lang="en-US" dirty="0"/>
-              <a:t>5/12/20</a:t>
+              <a:t>5/14/20</a:t>
             </a:fld>
             <a:endParaRPr lang="en-US" dirty="0"/>
           </a:p>
@@ -7769,7 +7771,7 @@
           <a:p>
             <a:fld id="{48A87A34-81AB-432B-8DAE-1953F412C126}" type="datetimeFigureOut">
               <a:rPr lang="en-US" dirty="0"/>
-              <a:t>5/12/20</a:t>
+              <a:t>5/14/20</a:t>
             </a:fld>
             <a:endParaRPr lang="en-US" dirty="0"/>
           </a:p>
@@ -8145,7 +8147,7 @@
           <a:p>
             <a:fld id="{48A87A34-81AB-432B-8DAE-1953F412C126}" type="datetimeFigureOut">
               <a:rPr lang="en-US" dirty="0"/>
-              <a:t>5/12/20</a:t>
+              <a:t>5/14/20</a:t>
             </a:fld>
             <a:endParaRPr lang="en-US" dirty="0"/>
           </a:p>
@@ -8258,7 +8260,7 @@
           <a:p>
             <a:fld id="{48A87A34-81AB-432B-8DAE-1953F412C126}" type="datetimeFigureOut">
               <a:rPr lang="en-US" dirty="0"/>
-              <a:t>5/12/20</a:t>
+              <a:t>5/14/20</a:t>
             </a:fld>
             <a:endParaRPr lang="en-US" dirty="0"/>
           </a:p>
@@ -8348,7 +8350,7 @@
           <a:p>
             <a:fld id="{48A87A34-81AB-432B-8DAE-1953F412C126}" type="datetimeFigureOut">
               <a:rPr lang="en-US" dirty="0"/>
-              <a:t>5/12/20</a:t>
+              <a:t>5/14/20</a:t>
             </a:fld>
             <a:endParaRPr lang="en-US" dirty="0"/>
           </a:p>
@@ -8592,7 +8594,7 @@
           <a:p>
             <a:fld id="{48A87A34-81AB-432B-8DAE-1953F412C126}" type="datetimeFigureOut">
               <a:rPr lang="en-US" dirty="0"/>
-              <a:t>5/12/20</a:t>
+              <a:t>5/14/20</a:t>
             </a:fld>
             <a:endParaRPr lang="en-US" dirty="0"/>
           </a:p>
@@ -8867,7 +8869,7 @@
           <a:p>
             <a:fld id="{48A87A34-81AB-432B-8DAE-1953F412C126}" type="datetimeFigureOut">
               <a:rPr lang="en-US" dirty="0"/>
-              <a:t>5/12/20</a:t>
+              <a:t>5/14/20</a:t>
             </a:fld>
             <a:endParaRPr lang="en-US" dirty="0"/>
           </a:p>
@@ -8978,7 +8980,7 @@
           <a:noFill/>
           <a:extLst>
             <a:ext uri="{909E8E84-426E-40dd-AFC4-6F175D3DCCD1}">
-              <a14:hiddenFill xmlns="" xmlns:a14="http://schemas.microsoft.com/office/drawing/2010/main">
+              <a14:hiddenFill xmlns:a14="http://schemas.microsoft.com/office/drawing/2010/main" xmlns="">
                 <a:solidFill>
                   <a:srgbClr val="FFFFFF"/>
                 </a:solidFill>
@@ -9052,7 +9054,7 @@
               </a:ln>
               <a:extLst>
                 <a:ext uri="{91240B29-F687-4f45-9708-019B960494DF}">
-                  <a14:hiddenLine xmlns="" xmlns:a14="http://schemas.microsoft.com/office/drawing/2010/main" w="9525">
+                  <a14:hiddenLine xmlns:a14="http://schemas.microsoft.com/office/drawing/2010/main" xmlns="" w="9525">
                     <a:solidFill>
                       <a:srgbClr val="000000"/>
                     </a:solidFill>
@@ -9142,7 +9144,7 @@
               </a:ln>
               <a:extLst>
                 <a:ext uri="{91240B29-F687-4f45-9708-019B960494DF}">
-                  <a14:hiddenLine xmlns="" xmlns:a14="http://schemas.microsoft.com/office/drawing/2010/main" w="9525">
+                  <a14:hiddenLine xmlns:a14="http://schemas.microsoft.com/office/drawing/2010/main" xmlns="" w="9525">
                     <a:solidFill>
                       <a:srgbClr val="000000"/>
                     </a:solidFill>
@@ -9232,7 +9234,7 @@
               </a:ln>
               <a:extLst>
                 <a:ext uri="{91240B29-F687-4f45-9708-019B960494DF}">
-                  <a14:hiddenLine xmlns="" xmlns:a14="http://schemas.microsoft.com/office/drawing/2010/main" w="9525">
+                  <a14:hiddenLine xmlns:a14="http://schemas.microsoft.com/office/drawing/2010/main" xmlns="" w="9525">
                     <a:solidFill>
                       <a:srgbClr val="000000"/>
                     </a:solidFill>
@@ -9294,7 +9296,7 @@
               </a:ln>
               <a:extLst>
                 <a:ext uri="{91240B29-F687-4f45-9708-019B960494DF}">
-                  <a14:hiddenLine xmlns="" xmlns:a14="http://schemas.microsoft.com/office/drawing/2010/main" w="9525">
+                  <a14:hiddenLine xmlns:a14="http://schemas.microsoft.com/office/drawing/2010/main" xmlns="" w="9525">
                     <a:solidFill>
                       <a:srgbClr val="000000"/>
                     </a:solidFill>
@@ -9384,7 +9386,7 @@
               </a:ln>
               <a:extLst>
                 <a:ext uri="{91240B29-F687-4f45-9708-019B960494DF}">
-                  <a14:hiddenLine xmlns="" xmlns:a14="http://schemas.microsoft.com/office/drawing/2010/main" w="9525">
+                  <a14:hiddenLine xmlns:a14="http://schemas.microsoft.com/office/drawing/2010/main" xmlns="" w="9525">
                     <a:solidFill>
                       <a:srgbClr val="000000"/>
                     </a:solidFill>
@@ -9446,7 +9448,7 @@
               </a:ln>
               <a:extLst>
                 <a:ext uri="{91240B29-F687-4f45-9708-019B960494DF}">
-                  <a14:hiddenLine xmlns="" xmlns:a14="http://schemas.microsoft.com/office/drawing/2010/main" w="9525">
+                  <a14:hiddenLine xmlns:a14="http://schemas.microsoft.com/office/drawing/2010/main" xmlns="" w="9525">
                     <a:solidFill>
                       <a:srgbClr val="000000"/>
                     </a:solidFill>
@@ -9508,7 +9510,7 @@
               </a:ln>
               <a:extLst>
                 <a:ext uri="{91240B29-F687-4f45-9708-019B960494DF}">
-                  <a14:hiddenLine xmlns="" xmlns:a14="http://schemas.microsoft.com/office/drawing/2010/main" w="9525">
+                  <a14:hiddenLine xmlns:a14="http://schemas.microsoft.com/office/drawing/2010/main" xmlns="" w="9525">
                     <a:solidFill>
                       <a:srgbClr val="000000"/>
                     </a:solidFill>
@@ -9598,7 +9600,7 @@
               </a:ln>
               <a:extLst>
                 <a:ext uri="{91240B29-F687-4f45-9708-019B960494DF}">
-                  <a14:hiddenLine xmlns="" xmlns:a14="http://schemas.microsoft.com/office/drawing/2010/main" w="9525">
+                  <a14:hiddenLine xmlns:a14="http://schemas.microsoft.com/office/drawing/2010/main" xmlns="" w="9525">
                     <a:solidFill>
                       <a:srgbClr val="000000"/>
                     </a:solidFill>
@@ -9688,7 +9690,7 @@
               </a:ln>
               <a:extLst>
                 <a:ext uri="{91240B29-F687-4f45-9708-019B960494DF}">
-                  <a14:hiddenLine xmlns="" xmlns:a14="http://schemas.microsoft.com/office/drawing/2010/main" w="9525">
+                  <a14:hiddenLine xmlns:a14="http://schemas.microsoft.com/office/drawing/2010/main" xmlns="" w="9525">
                     <a:solidFill>
                       <a:srgbClr val="000000"/>
                     </a:solidFill>
@@ -9750,7 +9752,7 @@
               </a:ln>
               <a:extLst>
                 <a:ext uri="{91240B29-F687-4f45-9708-019B960494DF}">
-                  <a14:hiddenLine xmlns="" xmlns:a14="http://schemas.microsoft.com/office/drawing/2010/main" w="9525">
+                  <a14:hiddenLine xmlns:a14="http://schemas.microsoft.com/office/drawing/2010/main" xmlns="" w="9525">
                     <a:solidFill>
                       <a:srgbClr val="000000"/>
                     </a:solidFill>
@@ -9860,7 +9862,7 @@
               </a:ln>
               <a:extLst>
                 <a:ext uri="{91240B29-F687-4f45-9708-019B960494DF}">
-                  <a14:hiddenLine xmlns="" xmlns:a14="http://schemas.microsoft.com/office/drawing/2010/main" w="9525">
+                  <a14:hiddenLine xmlns:a14="http://schemas.microsoft.com/office/drawing/2010/main" xmlns="" w="9525">
                     <a:solidFill>
                       <a:srgbClr val="000000"/>
                     </a:solidFill>
@@ -9944,7 +9946,7 @@
               </a:ln>
               <a:extLst>
                 <a:ext uri="{91240B29-F687-4f45-9708-019B960494DF}">
-                  <a14:hiddenLine xmlns="" xmlns:a14="http://schemas.microsoft.com/office/drawing/2010/main" w="9525">
+                  <a14:hiddenLine xmlns:a14="http://schemas.microsoft.com/office/drawing/2010/main" xmlns="" w="9525">
                     <a:solidFill>
                       <a:srgbClr val="000000"/>
                     </a:solidFill>
@@ -10006,7 +10008,7 @@
               </a:ln>
               <a:extLst>
                 <a:ext uri="{91240B29-F687-4f45-9708-019B960494DF}">
-                  <a14:hiddenLine xmlns="" xmlns:a14="http://schemas.microsoft.com/office/drawing/2010/main" w="9525">
+                  <a14:hiddenLine xmlns:a14="http://schemas.microsoft.com/office/drawing/2010/main" xmlns="" w="9525">
                     <a:solidFill>
                       <a:srgbClr val="000000"/>
                     </a:solidFill>
@@ -10068,7 +10070,7 @@
               </a:ln>
               <a:extLst>
                 <a:ext uri="{91240B29-F687-4f45-9708-019B960494DF}">
-                  <a14:hiddenLine xmlns="" xmlns:a14="http://schemas.microsoft.com/office/drawing/2010/main" w="9525">
+                  <a14:hiddenLine xmlns:a14="http://schemas.microsoft.com/office/drawing/2010/main" xmlns="" w="9525">
                     <a:solidFill>
                       <a:srgbClr val="000000"/>
                     </a:solidFill>
@@ -10158,7 +10160,7 @@
               </a:ln>
               <a:extLst>
                 <a:ext uri="{91240B29-F687-4f45-9708-019B960494DF}">
-                  <a14:hiddenLine xmlns="" xmlns:a14="http://schemas.microsoft.com/office/drawing/2010/main" w="9525">
+                  <a14:hiddenLine xmlns:a14="http://schemas.microsoft.com/office/drawing/2010/main" xmlns="" w="9525">
                     <a:solidFill>
                       <a:srgbClr val="000000"/>
                     </a:solidFill>
@@ -10192,7 +10194,7 @@
               </a:ln>
               <a:extLst>
                 <a:ext uri="{91240B29-F687-4f45-9708-019B960494DF}">
-                  <a14:hiddenLine xmlns="" xmlns:a14="http://schemas.microsoft.com/office/drawing/2010/main" w="9525">
+                  <a14:hiddenLine xmlns:a14="http://schemas.microsoft.com/office/drawing/2010/main" xmlns="" w="9525">
                     <a:solidFill>
                       <a:srgbClr val="000000"/>
                     </a:solidFill>
@@ -10257,7 +10259,7 @@
               </a:ln>
               <a:extLst>
                 <a:ext uri="{91240B29-F687-4f45-9708-019B960494DF}">
-                  <a14:hiddenLine xmlns="" xmlns:a14="http://schemas.microsoft.com/office/drawing/2010/main" w="9525">
+                  <a14:hiddenLine xmlns:a14="http://schemas.microsoft.com/office/drawing/2010/main" xmlns="" w="9525">
                     <a:solidFill>
                       <a:srgbClr val="000000"/>
                     </a:solidFill>
@@ -10347,7 +10349,7 @@
               </a:ln>
               <a:extLst>
                 <a:ext uri="{91240B29-F687-4f45-9708-019B960494DF}">
-                  <a14:hiddenLine xmlns="" xmlns:a14="http://schemas.microsoft.com/office/drawing/2010/main" w="9525">
+                  <a14:hiddenLine xmlns:a14="http://schemas.microsoft.com/office/drawing/2010/main" xmlns="" w="9525">
                     <a:solidFill>
                       <a:srgbClr val="000000"/>
                     </a:solidFill>
@@ -10409,7 +10411,7 @@
               </a:ln>
               <a:extLst>
                 <a:ext uri="{91240B29-F687-4f45-9708-019B960494DF}">
-                  <a14:hiddenLine xmlns="" xmlns:a14="http://schemas.microsoft.com/office/drawing/2010/main" w="9525">
+                  <a14:hiddenLine xmlns:a14="http://schemas.microsoft.com/office/drawing/2010/main" xmlns="" w="9525">
                     <a:solidFill>
                       <a:srgbClr val="000000"/>
                     </a:solidFill>
@@ -10499,7 +10501,7 @@
               </a:ln>
               <a:extLst>
                 <a:ext uri="{91240B29-F687-4f45-9708-019B960494DF}">
-                  <a14:hiddenLine xmlns="" xmlns:a14="http://schemas.microsoft.com/office/drawing/2010/main" w="9525">
+                  <a14:hiddenLine xmlns:a14="http://schemas.microsoft.com/office/drawing/2010/main" xmlns="" w="9525">
                     <a:solidFill>
                       <a:srgbClr val="000000"/>
                     </a:solidFill>
@@ -10564,7 +10566,7 @@
               </a:ln>
               <a:extLst>
                 <a:ext uri="{91240B29-F687-4f45-9708-019B960494DF}">
-                  <a14:hiddenLine xmlns="" xmlns:a14="http://schemas.microsoft.com/office/drawing/2010/main" w="9525">
+                  <a14:hiddenLine xmlns:a14="http://schemas.microsoft.com/office/drawing/2010/main" xmlns="" w="9525">
                     <a:solidFill>
                       <a:srgbClr val="000000"/>
                     </a:solidFill>
@@ -10626,7 +10628,7 @@
               </a:ln>
               <a:extLst>
                 <a:ext uri="{91240B29-F687-4f45-9708-019B960494DF}">
-                  <a14:hiddenLine xmlns="" xmlns:a14="http://schemas.microsoft.com/office/drawing/2010/main" w="9525">
+                  <a14:hiddenLine xmlns:a14="http://schemas.microsoft.com/office/drawing/2010/main" xmlns="" w="9525">
                     <a:solidFill>
                       <a:srgbClr val="000000"/>
                     </a:solidFill>
@@ -10716,7 +10718,7 @@
               </a:ln>
               <a:extLst>
                 <a:ext uri="{91240B29-F687-4f45-9708-019B960494DF}">
-                  <a14:hiddenLine xmlns="" xmlns:a14="http://schemas.microsoft.com/office/drawing/2010/main" w="9525">
+                  <a14:hiddenLine xmlns:a14="http://schemas.microsoft.com/office/drawing/2010/main" xmlns="" w="9525">
                     <a:solidFill>
                       <a:srgbClr val="000000"/>
                     </a:solidFill>
@@ -10806,7 +10808,7 @@
               </a:ln>
               <a:extLst>
                 <a:ext uri="{91240B29-F687-4f45-9708-019B960494DF}">
-                  <a14:hiddenLine xmlns="" xmlns:a14="http://schemas.microsoft.com/office/drawing/2010/main" w="9525">
+                  <a14:hiddenLine xmlns:a14="http://schemas.microsoft.com/office/drawing/2010/main" xmlns="" w="9525">
                     <a:solidFill>
                       <a:srgbClr val="000000"/>
                     </a:solidFill>
@@ -10871,7 +10873,7 @@
               </a:ln>
               <a:extLst>
                 <a:ext uri="{91240B29-F687-4f45-9708-019B960494DF}">
-                  <a14:hiddenLine xmlns="" xmlns:a14="http://schemas.microsoft.com/office/drawing/2010/main" w="9525">
+                  <a14:hiddenLine xmlns:a14="http://schemas.microsoft.com/office/drawing/2010/main" xmlns="" w="9525">
                     <a:solidFill>
                       <a:srgbClr val="000000"/>
                     </a:solidFill>
@@ -10991,7 +10993,7 @@
               </a:ln>
               <a:extLst>
                 <a:ext uri="{91240B29-F687-4f45-9708-019B960494DF}">
-                  <a14:hiddenLine xmlns="" xmlns:a14="http://schemas.microsoft.com/office/drawing/2010/main" w="9525">
+                  <a14:hiddenLine xmlns:a14="http://schemas.microsoft.com/office/drawing/2010/main" xmlns="" w="9525">
                     <a:solidFill>
                       <a:srgbClr val="000000"/>
                     </a:solidFill>
@@ -11089,7 +11091,7 @@
               </a:ln>
               <a:extLst>
                 <a:ext uri="{91240B29-F687-4f45-9708-019B960494DF}">
-                  <a14:hiddenLine xmlns="" xmlns:a14="http://schemas.microsoft.com/office/drawing/2010/main" w="9525">
+                  <a14:hiddenLine xmlns:a14="http://schemas.microsoft.com/office/drawing/2010/main" xmlns="" w="9525">
                     <a:solidFill>
                       <a:srgbClr val="000000"/>
                     </a:solidFill>
@@ -11204,7 +11206,7 @@
               </a:ln>
               <a:extLst>
                 <a:ext uri="{91240B29-F687-4f45-9708-019B960494DF}">
-                  <a14:hiddenLine xmlns="" xmlns:a14="http://schemas.microsoft.com/office/drawing/2010/main" w="9525">
+                  <a14:hiddenLine xmlns:a14="http://schemas.microsoft.com/office/drawing/2010/main" xmlns="" w="9525">
                     <a:solidFill>
                       <a:srgbClr val="000000"/>
                     </a:solidFill>
@@ -11294,7 +11296,7 @@
               </a:ln>
               <a:extLst>
                 <a:ext uri="{91240B29-F687-4f45-9708-019B960494DF}">
-                  <a14:hiddenLine xmlns="" xmlns:a14="http://schemas.microsoft.com/office/drawing/2010/main" w="9525">
+                  <a14:hiddenLine xmlns:a14="http://schemas.microsoft.com/office/drawing/2010/main" xmlns="" w="9525">
                     <a:solidFill>
                       <a:srgbClr val="000000"/>
                     </a:solidFill>
@@ -11359,7 +11361,7 @@
               </a:ln>
               <a:extLst>
                 <a:ext uri="{91240B29-F687-4f45-9708-019B960494DF}">
-                  <a14:hiddenLine xmlns="" xmlns:a14="http://schemas.microsoft.com/office/drawing/2010/main" w="9525">
+                  <a14:hiddenLine xmlns:a14="http://schemas.microsoft.com/office/drawing/2010/main" xmlns="" w="9525">
                     <a:solidFill>
                       <a:srgbClr val="000000"/>
                     </a:solidFill>
@@ -11449,7 +11451,7 @@
               </a:ln>
               <a:extLst>
                 <a:ext uri="{91240B29-F687-4f45-9708-019B960494DF}">
-                  <a14:hiddenLine xmlns="" xmlns:a14="http://schemas.microsoft.com/office/drawing/2010/main" w="9525">
+                  <a14:hiddenLine xmlns:a14="http://schemas.microsoft.com/office/drawing/2010/main" xmlns="" w="9525">
                     <a:solidFill>
                       <a:srgbClr val="000000"/>
                     </a:solidFill>
@@ -11517,7 +11519,7 @@
               </a:ln>
               <a:extLst>
                 <a:ext uri="{91240B29-F687-4f45-9708-019B960494DF}">
-                  <a14:hiddenLine xmlns="" xmlns:a14="http://schemas.microsoft.com/office/drawing/2010/main" w="9525">
+                  <a14:hiddenLine xmlns:a14="http://schemas.microsoft.com/office/drawing/2010/main" xmlns="" w="9525">
                     <a:solidFill>
                       <a:srgbClr val="000000"/>
                     </a:solidFill>
@@ -11607,7 +11609,7 @@
               </a:ln>
               <a:extLst>
                 <a:ext uri="{91240B29-F687-4f45-9708-019B960494DF}">
-                  <a14:hiddenLine xmlns="" xmlns:a14="http://schemas.microsoft.com/office/drawing/2010/main" w="9525">
+                  <a14:hiddenLine xmlns:a14="http://schemas.microsoft.com/office/drawing/2010/main" xmlns="" w="9525">
                     <a:solidFill>
                       <a:srgbClr val="000000"/>
                     </a:solidFill>
@@ -11675,7 +11677,7 @@
               </a:ln>
               <a:extLst>
                 <a:ext uri="{91240B29-F687-4f45-9708-019B960494DF}">
-                  <a14:hiddenLine xmlns="" xmlns:a14="http://schemas.microsoft.com/office/drawing/2010/main" w="9525">
+                  <a14:hiddenLine xmlns:a14="http://schemas.microsoft.com/office/drawing/2010/main" xmlns="" w="9525">
                     <a:solidFill>
                       <a:srgbClr val="000000"/>
                     </a:solidFill>
@@ -11765,7 +11767,7 @@
               </a:ln>
               <a:extLst>
                 <a:ext uri="{91240B29-F687-4f45-9708-019B960494DF}">
-                  <a14:hiddenLine xmlns="" xmlns:a14="http://schemas.microsoft.com/office/drawing/2010/main" w="9525">
+                  <a14:hiddenLine xmlns:a14="http://schemas.microsoft.com/office/drawing/2010/main" xmlns="" w="9525">
                     <a:solidFill>
                       <a:srgbClr val="000000"/>
                     </a:solidFill>
@@ -11799,7 +11801,7 @@
               </a:ln>
               <a:extLst>
                 <a:ext uri="{91240B29-F687-4f45-9708-019B960494DF}">
-                  <a14:hiddenLine xmlns="" xmlns:a14="http://schemas.microsoft.com/office/drawing/2010/main" w="9525">
+                  <a14:hiddenLine xmlns:a14="http://schemas.microsoft.com/office/drawing/2010/main" xmlns="" w="9525">
                     <a:solidFill>
                       <a:srgbClr val="000000"/>
                     </a:solidFill>
@@ -11940,7 +11942,7 @@
             <a:fld id="{48A87A34-81AB-432B-8DAE-1953F412C126}" type="datetimeFigureOut">
               <a:rPr lang="en-US" dirty="0"/>
               <a:pPr/>
-              <a:t>5/12/20</a:t>
+              <a:t>5/14/20</a:t>
             </a:fld>
             <a:endParaRPr lang="en-US" dirty="0"/>
           </a:p>
@@ -12473,6 +12475,192 @@
 </p:sld>
 </file>
 
+<file path=ppt/slides/slide10.xml><?xml version="1.0" encoding="utf-8"?>
+<p:sld xmlns:a="http://schemas.openxmlformats.org/drawingml/2006/main" xmlns:r="http://schemas.openxmlformats.org/officeDocument/2006/relationships" xmlns:p="http://schemas.openxmlformats.org/presentationml/2006/main">
+  <p:cSld>
+    <p:spTree>
+      <p:nvGrpSpPr>
+        <p:cNvPr id="1" name=""/>
+        <p:cNvGrpSpPr/>
+        <p:nvPr/>
+      </p:nvGrpSpPr>
+      <p:grpSpPr>
+        <a:xfrm>
+          <a:off x="0" y="0"/>
+          <a:ext cx="0" cy="0"/>
+          <a:chOff x="0" y="0"/>
+          <a:chExt cx="0" cy="0"/>
+        </a:xfrm>
+      </p:grpSpPr>
+      <p:sp>
+        <p:nvSpPr>
+          <p:cNvPr id="2" name="Titolo 1">
+            <a:extLst>
+              <a:ext uri="{FF2B5EF4-FFF2-40B4-BE49-F238E27FC236}">
+                <a16:creationId xmlns:a16="http://schemas.microsoft.com/office/drawing/2014/main" id="{0E60255A-8FBD-884F-ADBA-32BDE68D065B}"/>
+              </a:ext>
+            </a:extLst>
+          </p:cNvPr>
+          <p:cNvSpPr>
+            <a:spLocks noGrp="1"/>
+          </p:cNvSpPr>
+          <p:nvPr>
+            <p:ph type="title"/>
+          </p:nvPr>
+        </p:nvSpPr>
+        <p:spPr>
+          <a:xfrm>
+            <a:off x="0" y="0"/>
+            <a:ext cx="12192000" cy="6858000"/>
+          </a:xfrm>
+        </p:spPr>
+        <p:txBody>
+          <a:bodyPr>
+            <a:noAutofit/>
+          </a:bodyPr>
+          <a:lstStyle/>
+          <a:p>
+            <a:pPr algn="ctr"/>
+            <a:r>
+              <a:rPr lang="it-IT" sz="34400" dirty="0"/>
+              <a:t>Demo</a:t>
+            </a:r>
+          </a:p>
+        </p:txBody>
+      </p:sp>
+    </p:spTree>
+    <p:extLst>
+      <p:ext uri="{BB962C8B-B14F-4D97-AF65-F5344CB8AC3E}">
+        <p14:creationId xmlns:p14="http://schemas.microsoft.com/office/powerpoint/2010/main" val="1909825055"/>
+      </p:ext>
+    </p:extLst>
+  </p:cSld>
+  <p:clrMapOvr>
+    <a:masterClrMapping/>
+  </p:clrMapOvr>
+  <mc:AlternateContent xmlns:mc="http://schemas.openxmlformats.org/markup-compatibility/2006">
+    <mc:Choice xmlns:p14="http://schemas.microsoft.com/office/powerpoint/2010/main" Requires="p14">
+      <p:transition spd="slow">
+        <p14:flash/>
+      </p:transition>
+    </mc:Choice>
+    <mc:Fallback>
+      <p:transition spd="slow">
+        <p:fade/>
+      </p:transition>
+    </mc:Fallback>
+  </mc:AlternateContent>
+</p:sld>
+</file>
+
+<file path=ppt/slides/slide11.xml><?xml version="1.0" encoding="utf-8"?>
+<p:sld xmlns:a="http://schemas.openxmlformats.org/drawingml/2006/main" xmlns:r="http://schemas.openxmlformats.org/officeDocument/2006/relationships" xmlns:p="http://schemas.openxmlformats.org/presentationml/2006/main">
+  <p:cSld>
+    <p:spTree>
+      <p:nvGrpSpPr>
+        <p:cNvPr id="1" name=""/>
+        <p:cNvGrpSpPr/>
+        <p:nvPr/>
+      </p:nvGrpSpPr>
+      <p:grpSpPr>
+        <a:xfrm>
+          <a:off x="0" y="0"/>
+          <a:ext cx="0" cy="0"/>
+          <a:chOff x="0" y="0"/>
+          <a:chExt cx="0" cy="0"/>
+        </a:xfrm>
+      </p:grpSpPr>
+      <p:sp>
+        <p:nvSpPr>
+          <p:cNvPr id="2" name="Titolo 1">
+            <a:extLst>
+              <a:ext uri="{FF2B5EF4-FFF2-40B4-BE49-F238E27FC236}">
+                <a16:creationId xmlns:a16="http://schemas.microsoft.com/office/drawing/2014/main" id="{0E60255A-8FBD-884F-ADBA-32BDE68D065B}"/>
+              </a:ext>
+            </a:extLst>
+          </p:cNvPr>
+          <p:cNvSpPr>
+            <a:spLocks noGrp="1"/>
+          </p:cNvSpPr>
+          <p:nvPr>
+            <p:ph type="title"/>
+          </p:nvPr>
+        </p:nvSpPr>
+        <p:spPr>
+          <a:xfrm>
+            <a:off x="0" y="0"/>
+            <a:ext cx="12192000" cy="4081549"/>
+          </a:xfrm>
+        </p:spPr>
+        <p:txBody>
+          <a:bodyPr>
+            <a:noAutofit/>
+          </a:bodyPr>
+          <a:lstStyle/>
+          <a:p>
+            <a:pPr algn="ctr"/>
+            <a:r>
+              <a:rPr lang="it-IT" sz="8800" dirty="0"/>
+              <a:t>Domande?</a:t>
+            </a:r>
+          </a:p>
+        </p:txBody>
+      </p:sp>
+      <p:pic>
+        <p:nvPicPr>
+          <p:cNvPr id="4" name="Immagine 3">
+            <a:extLst>
+              <a:ext uri="{FF2B5EF4-FFF2-40B4-BE49-F238E27FC236}">
+                <a16:creationId xmlns:a16="http://schemas.microsoft.com/office/drawing/2014/main" id="{5C0CC6C2-97FA-254D-A01C-D69C650C0642}"/>
+              </a:ext>
+            </a:extLst>
+          </p:cNvPr>
+          <p:cNvPicPr>
+            <a:picLocks noChangeAspect="1"/>
+          </p:cNvPicPr>
+          <p:nvPr/>
+        </p:nvPicPr>
+        <p:blipFill>
+          <a:blip r:embed="rId2"/>
+          <a:stretch>
+            <a:fillRect/>
+          </a:stretch>
+        </p:blipFill>
+        <p:spPr>
+          <a:xfrm>
+            <a:off x="5219700" y="2727729"/>
+            <a:ext cx="1752600" cy="3530600"/>
+          </a:xfrm>
+          <a:prstGeom prst="rect">
+            <a:avLst/>
+          </a:prstGeom>
+        </p:spPr>
+      </p:pic>
+    </p:spTree>
+    <p:extLst>
+      <p:ext uri="{BB962C8B-B14F-4D97-AF65-F5344CB8AC3E}">
+        <p14:creationId xmlns:p14="http://schemas.microsoft.com/office/powerpoint/2010/main" val="3048280115"/>
+      </p:ext>
+    </p:extLst>
+  </p:cSld>
+  <p:clrMapOvr>
+    <a:masterClrMapping/>
+  </p:clrMapOvr>
+  <mc:AlternateContent xmlns:mc="http://schemas.openxmlformats.org/markup-compatibility/2006">
+    <mc:Choice xmlns:p14="http://schemas.microsoft.com/office/powerpoint/2010/main" Requires="p14">
+      <p:transition spd="slow" p14:dur="1300">
+        <p14:pan dir="u"/>
+      </p:transition>
+    </mc:Choice>
+    <mc:Fallback>
+      <p:transition spd="slow">
+        <p:fade/>
+      </p:transition>
+    </mc:Fallback>
+  </mc:AlternateContent>
+</p:sld>
+</file>
+
 <file path=ppt/slides/slide2.xml><?xml version="1.0" encoding="utf-8"?>
 <p:sld xmlns:a="http://schemas.openxmlformats.org/drawingml/2006/main" xmlns:r="http://schemas.openxmlformats.org/officeDocument/2006/relationships" xmlns:p="http://schemas.openxmlformats.org/presentationml/2006/main">
   <p:cSld>
@@ -12609,6 +12797,9 @@
   <p:clrMapOvr>
     <a:masterClrMapping/>
   </p:clrMapOvr>
+  <p:transition spd="med">
+    <p:pull/>
+  </p:transition>
 </p:sld>
 </file>
 
@@ -12726,6 +12917,18 @@
   <p:clrMapOvr>
     <a:masterClrMapping/>
   </p:clrMapOvr>
+  <mc:AlternateContent xmlns:mc="http://schemas.openxmlformats.org/markup-compatibility/2006">
+    <mc:Choice xmlns:p15="http://schemas.microsoft.com/office/powerpoint/2012/main" Requires="p15">
+      <p:transition xmlns:p14="http://schemas.microsoft.com/office/powerpoint/2010/main" spd="slow" p14:dur="2000">
+        <p15:prstTrans prst="fallOver"/>
+      </p:transition>
+    </mc:Choice>
+    <mc:Fallback>
+      <p:transition spd="slow">
+        <p:fade/>
+      </p:transition>
+    </mc:Fallback>
+  </mc:AlternateContent>
 </p:sld>
 </file>
 
@@ -12850,6 +13053,18 @@
   <p:clrMapOvr>
     <a:masterClrMapping/>
   </p:clrMapOvr>
+  <mc:AlternateContent xmlns:mc="http://schemas.openxmlformats.org/markup-compatibility/2006">
+    <mc:Choice xmlns:p15="http://schemas.microsoft.com/office/powerpoint/2012/main" Requires="p15">
+      <p:transition xmlns:p14="http://schemas.microsoft.com/office/powerpoint/2010/main" spd="slow" p14:dur="2000">
+        <p15:prstTrans prst="drape"/>
+      </p:transition>
+    </mc:Choice>
+    <mc:Fallback>
+      <p:transition spd="slow">
+        <p:fade/>
+      </p:transition>
+    </mc:Fallback>
+  </mc:AlternateContent>
 </p:sld>
 </file>
 
@@ -12961,6 +13176,35 @@
           </a:p>
         </p:txBody>
       </p:sp>
+      <p:pic>
+        <p:nvPicPr>
+          <p:cNvPr id="5" name="Immagine 4">
+            <a:extLst>
+              <a:ext uri="{FF2B5EF4-FFF2-40B4-BE49-F238E27FC236}">
+                <a16:creationId xmlns:a16="http://schemas.microsoft.com/office/drawing/2014/main" id="{A16AE7E6-1244-B945-9783-329F5693574C}"/>
+              </a:ext>
+            </a:extLst>
+          </p:cNvPr>
+          <p:cNvPicPr>
+            <a:picLocks noChangeAspect="1"/>
+          </p:cNvPicPr>
+          <p:nvPr/>
+        </p:nvPicPr>
+        <p:blipFill rotWithShape="1">
+          <a:blip r:embed="rId2"/>
+          <a:srcRect l="4766" t="11184" r="5663" b="8475"/>
+          <a:stretch/>
+        </p:blipFill>
+        <p:spPr>
+          <a:xfrm>
+            <a:off x="6521116" y="1896559"/>
+            <a:ext cx="4702758" cy="3088107"/>
+          </a:xfrm>
+          <a:prstGeom prst="rect">
+            <a:avLst/>
+          </a:prstGeom>
+        </p:spPr>
+      </p:pic>
     </p:spTree>
     <p:extLst>
       <p:ext uri="{BB962C8B-B14F-4D97-AF65-F5344CB8AC3E}">
@@ -12971,6 +13215,9 @@
   <p:clrMapOvr>
     <a:masterClrMapping/>
   </p:clrMapOvr>
+  <p:transition spd="slow">
+    <p:push dir="u"/>
+  </p:transition>
 </p:sld>
 </file>
 
@@ -13168,6 +13415,130 @@
           </a:p>
         </p:txBody>
       </p:sp>
+      <p:pic>
+        <p:nvPicPr>
+          <p:cNvPr id="1026" name="Picture 2" descr="http://www.web2py.com/init/static/images/web2py_logo.png">
+            <a:extLst>
+              <a:ext uri="{FF2B5EF4-FFF2-40B4-BE49-F238E27FC236}">
+                <a16:creationId xmlns:a16="http://schemas.microsoft.com/office/drawing/2014/main" id="{C3402131-A115-4347-B568-D9999DC97688}"/>
+              </a:ext>
+            </a:extLst>
+          </p:cNvPr>
+          <p:cNvPicPr>
+            <a:picLocks noChangeAspect="1" noChangeArrowheads="1"/>
+          </p:cNvPicPr>
+          <p:nvPr/>
+        </p:nvPicPr>
+        <p:blipFill>
+          <a:blip r:embed="rId2">
+            <a:extLst>
+              <a:ext uri="{28A0092B-C50C-407E-A947-70E740481C1C}">
+                <a14:useLocalDpi xmlns:a14="http://schemas.microsoft.com/office/drawing/2010/main" val="0"/>
+              </a:ext>
+            </a:extLst>
+          </a:blip>
+          <a:srcRect/>
+          <a:stretch>
+            <a:fillRect/>
+          </a:stretch>
+        </p:blipFill>
+        <p:spPr bwMode="auto">
+          <a:xfrm>
+            <a:off x="7755021" y="3253437"/>
+            <a:ext cx="2794000" cy="571500"/>
+          </a:xfrm>
+          <a:prstGeom prst="rect">
+            <a:avLst/>
+          </a:prstGeom>
+          <a:noFill/>
+          <a:extLst>
+            <a:ext uri="{909E8E84-426E-40DD-AFC4-6F175D3DCCD1}">
+              <a14:hiddenFill xmlns:a14="http://schemas.microsoft.com/office/drawing/2010/main">
+                <a:solidFill>
+                  <a:srgbClr val="FFFFFF"/>
+                </a:solidFill>
+              </a14:hiddenFill>
+            </a:ext>
+          </a:extLst>
+        </p:spPr>
+      </p:pic>
+      <p:pic>
+        <p:nvPicPr>
+          <p:cNvPr id="1034" name="Picture 10" descr="https://upload.wikimedia.org/wikipedia/commons/thumb/3/38/SQLite370.svg/1280px-SQLite370.svg.png">
+            <a:extLst>
+              <a:ext uri="{FF2B5EF4-FFF2-40B4-BE49-F238E27FC236}">
+                <a16:creationId xmlns:a16="http://schemas.microsoft.com/office/drawing/2014/main" id="{095455B1-31A8-344B-8C47-95D48CE6C46D}"/>
+              </a:ext>
+            </a:extLst>
+          </p:cNvPr>
+          <p:cNvPicPr>
+            <a:picLocks noChangeAspect="1" noChangeArrowheads="1"/>
+          </p:cNvPicPr>
+          <p:nvPr/>
+        </p:nvPicPr>
+        <p:blipFill>
+          <a:blip r:embed="rId3">
+            <a:extLst>
+              <a:ext uri="{28A0092B-C50C-407E-A947-70E740481C1C}">
+                <a14:useLocalDpi xmlns:a14="http://schemas.microsoft.com/office/drawing/2010/main" val="0"/>
+              </a:ext>
+            </a:extLst>
+          </a:blip>
+          <a:srcRect/>
+          <a:stretch>
+            <a:fillRect/>
+          </a:stretch>
+        </p:blipFill>
+        <p:spPr bwMode="auto">
+          <a:xfrm>
+            <a:off x="7940842" y="1138825"/>
+            <a:ext cx="2422358" cy="1146835"/>
+          </a:xfrm>
+          <a:prstGeom prst="rect">
+            <a:avLst/>
+          </a:prstGeom>
+          <a:noFill/>
+          <a:extLst>
+            <a:ext uri="{909E8E84-426E-40DD-AFC4-6F175D3DCCD1}">
+              <a14:hiddenFill xmlns:a14="http://schemas.microsoft.com/office/drawing/2010/main">
+                <a:solidFill>
+                  <a:srgbClr val="FFFFFF"/>
+                </a:solidFill>
+              </a14:hiddenFill>
+            </a:ext>
+          </a:extLst>
+        </p:spPr>
+      </p:pic>
+      <p:pic>
+        <p:nvPicPr>
+          <p:cNvPr id="12" name="Immagine 11">
+            <a:extLst>
+              <a:ext uri="{FF2B5EF4-FFF2-40B4-BE49-F238E27FC236}">
+                <a16:creationId xmlns:a16="http://schemas.microsoft.com/office/drawing/2014/main" id="{D6FFF41F-2CA9-D045-B5ED-47C028F685F8}"/>
+              </a:ext>
+            </a:extLst>
+          </p:cNvPr>
+          <p:cNvPicPr>
+            <a:picLocks noChangeAspect="1"/>
+          </p:cNvPicPr>
+          <p:nvPr/>
+        </p:nvPicPr>
+        <p:blipFill>
+          <a:blip r:embed="rId4"/>
+          <a:stretch>
+            <a:fillRect/>
+          </a:stretch>
+        </p:blipFill>
+        <p:spPr>
+          <a:xfrm>
+            <a:off x="7501021" y="4792714"/>
+            <a:ext cx="3302000" cy="609600"/>
+          </a:xfrm>
+          <a:prstGeom prst="rect">
+            <a:avLst/>
+          </a:prstGeom>
+        </p:spPr>
+      </p:pic>
     </p:spTree>
     <p:extLst>
       <p:ext uri="{BB962C8B-B14F-4D97-AF65-F5344CB8AC3E}">
@@ -13178,6 +13549,18 @@
   <p:clrMapOvr>
     <a:masterClrMapping/>
   </p:clrMapOvr>
+  <mc:AlternateContent xmlns:mc="http://schemas.openxmlformats.org/markup-compatibility/2006">
+    <mc:Choice xmlns:p15="http://schemas.microsoft.com/office/powerpoint/2012/main" Requires="p15">
+      <p:transition xmlns:p14="http://schemas.microsoft.com/office/powerpoint/2010/main" spd="slow" p14:dur="1250">
+        <p15:prstTrans prst="peelOff"/>
+      </p:transition>
+    </mc:Choice>
+    <mc:Fallback>
+      <p:transition spd="slow">
+        <p:fade/>
+      </p:transition>
+    </mc:Fallback>
+  </mc:AlternateContent>
 </p:sld>
 </file>
 
@@ -13284,6 +13667,48 @@
           </a:p>
         </p:txBody>
       </p:sp>
+      <p:pic>
+        <p:nvPicPr>
+          <p:cNvPr id="8" name="Immagine 7">
+            <a:extLst>
+              <a:ext uri="{FF2B5EF4-FFF2-40B4-BE49-F238E27FC236}">
+                <a16:creationId xmlns:a16="http://schemas.microsoft.com/office/drawing/2014/main" id="{AB501BE4-CD78-6447-AA82-9023FBC03E96}"/>
+              </a:ext>
+            </a:extLst>
+          </p:cNvPr>
+          <p:cNvPicPr>
+            <a:picLocks noChangeAspect="1"/>
+          </p:cNvPicPr>
+          <p:nvPr/>
+        </p:nvPicPr>
+        <p:blipFill>
+          <a:blip r:embed="rId2">
+            <a:extLst>
+              <a:ext uri="{BEBA8EAE-BF5A-486C-A8C5-ECC9F3942E4B}">
+                <a14:imgProps xmlns:a14="http://schemas.microsoft.com/office/drawing/2010/main">
+                  <a14:imgLayer r:embed="rId3">
+                    <a14:imgEffect>
+                      <a14:backgroundRemoval t="0" b="100000" l="9778" r="89778"/>
+                    </a14:imgEffect>
+                  </a14:imgLayer>
+                </a14:imgProps>
+              </a:ext>
+            </a:extLst>
+          </a:blip>
+          <a:stretch>
+            <a:fillRect/>
+          </a:stretch>
+        </p:blipFill>
+        <p:spPr>
+          <a:xfrm>
+            <a:off x="4926011" y="3756274"/>
+            <a:ext cx="2333041" cy="2333041"/>
+          </a:xfrm>
+          <a:prstGeom prst="rect">
+            <a:avLst/>
+          </a:prstGeom>
+        </p:spPr>
+      </p:pic>
     </p:spTree>
     <p:extLst>
       <p:ext uri="{BB962C8B-B14F-4D97-AF65-F5344CB8AC3E}">
@@ -13294,6 +13719,18 @@
   <p:clrMapOvr>
     <a:masterClrMapping/>
   </p:clrMapOvr>
+  <mc:AlternateContent xmlns:mc="http://schemas.openxmlformats.org/markup-compatibility/2006">
+    <mc:Choice xmlns:p15="http://schemas.microsoft.com/office/powerpoint/2012/main" Requires="p15">
+      <p:transition xmlns:p14="http://schemas.microsoft.com/office/powerpoint/2010/main" spd="slow" p14:dur="2000">
+        <p15:prstTrans prst="fracture"/>
+      </p:transition>
+    </mc:Choice>
+    <mc:Fallback>
+      <p:transition spd="slow">
+        <p:fade/>
+      </p:transition>
+    </mc:Fallback>
+  </mc:AlternateContent>
 </p:sld>
 </file>
 
@@ -13443,6 +13880,18 @@
   <p:clrMapOvr>
     <a:masterClrMapping/>
   </p:clrMapOvr>
+  <mc:AlternateContent xmlns:mc="http://schemas.openxmlformats.org/markup-compatibility/2006">
+    <mc:Choice xmlns:p14="http://schemas.microsoft.com/office/powerpoint/2010/main" Requires="p14">
+      <p:transition spd="med" p14:dur="700">
+        <p:fade/>
+      </p:transition>
+    </mc:Choice>
+    <mc:Fallback>
+      <p:transition spd="med">
+        <p:fade/>
+      </p:transition>
+    </mc:Fallback>
+  </mc:AlternateContent>
 </p:sld>
 </file>
 
@@ -13531,6 +13980,24 @@
               <a:t>Progetto complesso e grande</a:t>
             </a:r>
           </a:p>
+          <a:p>
+            <a:r>
+              <a:rPr lang="it-IT" sz="3200" dirty="0"/>
+              <a:t>Risultato abbastanza soddisfacente</a:t>
+            </a:r>
+          </a:p>
+          <a:p>
+            <a:r>
+              <a:rPr lang="it-IT" sz="3200" dirty="0"/>
+              <a:t>Idee chiare, solo da implementare</a:t>
+            </a:r>
+          </a:p>
+          <a:p>
+            <a:r>
+              <a:rPr lang="it-IT" sz="3200" dirty="0"/>
+              <a:t>In via di conclusione</a:t>
+            </a:r>
+          </a:p>
         </p:txBody>
       </p:sp>
     </p:spTree>
@@ -13543,6 +14010,18 @@
   <p:clrMapOvr>
     <a:masterClrMapping/>
   </p:clrMapOvr>
+  <mc:AlternateContent xmlns:mc="http://schemas.openxmlformats.org/markup-compatibility/2006">
+    <mc:Choice xmlns:p14="http://schemas.microsoft.com/office/powerpoint/2010/main" Requires="p14">
+      <p:transition spd="slow" p14:dur="1200">
+        <p14:prism/>
+      </p:transition>
+    </mc:Choice>
+    <mc:Fallback>
+      <p:transition spd="slow">
+        <p:fade/>
+      </p:transition>
+    </mc:Fallback>
+  </mc:AlternateContent>
 </p:sld>
 </file>
 

--- a/Vari/ProPlanPresentazione.pptx
+++ b/Vari/ProPlanPresentazione.pptx
@@ -12411,54 +12411,116 @@
           <a:lstStyle/>
           <a:p>
             <a:r>
-              <a:rPr lang="it-IT" dirty="0"/>
+              <a:rPr lang="it-IT" dirty="0">
+                <a:solidFill>
+                  <a:schemeClr val="tx1"/>
+                </a:solidFill>
+              </a:rPr>
               <a:t>Filippo </a:t>
             </a:r>
             <a:r>
-              <a:rPr lang="it-IT" dirty="0" err="1"/>
+              <a:rPr lang="it-IT" dirty="0" err="1">
+                <a:solidFill>
+                  <a:schemeClr val="tx1"/>
+                </a:solidFill>
+              </a:rPr>
               <a:t>Zinetti</a:t>
             </a:r>
             <a:r>
-              <a:rPr lang="it-IT" dirty="0"/>
+              <a:rPr lang="it-IT" dirty="0">
+                <a:solidFill>
+                  <a:schemeClr val="tx1"/>
+                </a:solidFill>
+              </a:rPr>
               <a:t>, Jonathan </a:t>
             </a:r>
             <a:r>
-              <a:rPr lang="it-IT" dirty="0" err="1"/>
+              <a:rPr lang="it-IT" dirty="0" err="1">
+                <a:solidFill>
+                  <a:schemeClr val="tx1"/>
+                </a:solidFill>
+              </a:rPr>
               <a:t>Mueller</a:t>
             </a:r>
             <a:r>
-              <a:rPr lang="it-IT" dirty="0"/>
+              <a:rPr lang="it-IT" dirty="0">
+                <a:solidFill>
+                  <a:schemeClr val="tx1"/>
+                </a:solidFill>
+              </a:rPr>
               <a:t>, </a:t>
             </a:r>
             <a:r>
-              <a:rPr lang="it-IT" dirty="0" err="1"/>
+              <a:rPr lang="it-IT" dirty="0" err="1">
+                <a:solidFill>
+                  <a:schemeClr val="tx1"/>
+                </a:solidFill>
+              </a:rPr>
               <a:t>Jure</a:t>
             </a:r>
             <a:r>
-              <a:rPr lang="it-IT" dirty="0"/>
+              <a:rPr lang="it-IT" dirty="0">
+                <a:solidFill>
+                  <a:schemeClr val="tx1"/>
+                </a:solidFill>
+              </a:rPr>
               <a:t> </a:t>
             </a:r>
             <a:r>
-              <a:rPr lang="it-IT" dirty="0" err="1"/>
+              <a:rPr lang="it-IT" dirty="0" err="1">
+                <a:solidFill>
+                  <a:schemeClr val="tx1"/>
+                </a:solidFill>
+              </a:rPr>
               <a:t>Grgic</a:t>
             </a:r>
             <a:r>
-              <a:rPr lang="it-IT" dirty="0"/>
+              <a:rPr lang="it-IT" dirty="0">
+                <a:solidFill>
+                  <a:schemeClr val="tx1"/>
+                </a:solidFill>
+              </a:rPr>
               <a:t>, </a:t>
             </a:r>
             <a:r>
-              <a:rPr lang="it-IT" dirty="0" err="1"/>
+              <a:rPr lang="it-IT" dirty="0" err="1">
+                <a:solidFill>
+                  <a:schemeClr val="tx1"/>
+                </a:solidFill>
+              </a:rPr>
               <a:t>Kushtrim</a:t>
             </a:r>
             <a:r>
-              <a:rPr lang="it-IT" dirty="0"/>
+              <a:rPr lang="it-IT" dirty="0">
+                <a:solidFill>
+                  <a:schemeClr val="tx1"/>
+                </a:solidFill>
+              </a:rPr>
               <a:t> </a:t>
             </a:r>
             <a:r>
-              <a:rPr lang="it-IT" dirty="0" err="1"/>
+              <a:rPr lang="it-IT" dirty="0" err="1">
+                <a:solidFill>
+                  <a:schemeClr val="tx1"/>
+                </a:solidFill>
+              </a:rPr>
               <a:t>Rushi</a:t>
             </a:r>
-            <a:endParaRPr lang="it-IT" dirty="0"/>
+            <a:endParaRPr lang="it-IT" dirty="0">
+              <a:solidFill>
+                <a:schemeClr val="tx1"/>
+              </a:solidFill>
+            </a:endParaRPr>
+          </a:p>
+          <a:p>
+            <a:r>
+              <a:rPr lang="it-IT" dirty="0">
+                <a:solidFill>
+                  <a:schemeClr val="tx1"/>
+                </a:solidFill>
+              </a:rPr>
+              <a:t>15.5.2020</a:t>
+            </a:r>
           </a:p>
         </p:txBody>
       </p:sp>
@@ -12539,9 +12601,9 @@
     <a:masterClrMapping/>
   </p:clrMapOvr>
   <mc:AlternateContent xmlns:mc="http://schemas.openxmlformats.org/markup-compatibility/2006">
-    <mc:Choice xmlns:p14="http://schemas.microsoft.com/office/powerpoint/2010/main" Requires="p14">
-      <p:transition spd="slow">
-        <p14:flash/>
+    <mc:Choice xmlns:p15="http://schemas.microsoft.com/office/powerpoint/2012/main" Requires="p15">
+      <p:transition xmlns:p14="http://schemas.microsoft.com/office/powerpoint/2010/main" spd="slow" p14:dur="2000">
+        <p15:prstTrans prst="curtains"/>
       </p:transition>
     </mc:Choice>
     <mc:Fallback>
@@ -12696,7 +12758,7 @@
         </p:nvSpPr>
         <p:spPr>
           <a:xfrm>
-            <a:off x="1141413" y="417989"/>
+            <a:off x="4699267" y="118724"/>
             <a:ext cx="9905998" cy="1478570"/>
           </a:xfrm>
         </p:spPr>
@@ -12731,7 +12793,7 @@
         </p:nvSpPr>
         <p:spPr>
           <a:xfrm>
-            <a:off x="1141413" y="1896559"/>
+            <a:off x="4699267" y="1597294"/>
             <a:ext cx="10809956" cy="4961441"/>
           </a:xfrm>
         </p:spPr>
@@ -12755,7 +12817,7 @@
           <a:p>
             <a:r>
               <a:rPr lang="it-IT" sz="3200" dirty="0"/>
-              <a:t>Pianificazione</a:t>
+              <a:t>Progettazione</a:t>
             </a:r>
           </a:p>
           <a:p>
@@ -12891,13 +12953,16 @@
           <a:p>
             <a:r>
               <a:rPr lang="it-IT" sz="3200" dirty="0"/>
-              <a:t>Simile a </a:t>
+              <a:t>Via di mezzo tra </a:t>
             </a:r>
             <a:r>
               <a:rPr lang="it-IT" sz="3200" dirty="0" err="1"/>
               <a:t>Trello</a:t>
             </a:r>
-            <a:endParaRPr lang="it-IT" sz="3200" dirty="0"/>
+            <a:r>
+              <a:rPr lang="it-IT" sz="3200" dirty="0"/>
+              <a:t> e Project</a:t>
+            </a:r>
           </a:p>
           <a:p>
             <a:r>
@@ -13147,6 +13212,13 @@
             <a:normAutofit/>
           </a:bodyPr>
           <a:lstStyle/>
+          <a:p>
+            <a:r>
+              <a:rPr lang="it-IT" sz="3200" dirty="0" err="1"/>
+              <a:t>Gantt</a:t>
+            </a:r>
+            <a:endParaRPr lang="it-IT" sz="3200" dirty="0"/>
+          </a:p>
           <a:p>
             <a:r>
               <a:rPr lang="it-IT" sz="3200" dirty="0"/>
